--- a/reference_content/Slides/003_Error_Bias_Variance.pptx
+++ b/reference_content/Slides/003_Error_Bias_Variance.pptx
@@ -259,7 +259,7 @@
           <a:p>
             <a:fld id="{9DD7D0BA-9BC2-3D4F-A239-E24B5D2D3243}" type="datetimeFigureOut">
               <a:rPr lang="en-US" smtClean="0"/>
-              <a:t>12/13/24</a:t>
+              <a:t>1/14/25</a:t>
             </a:fld>
             <a:endParaRPr lang="en-US"/>
           </a:p>
@@ -470,7 +470,7 @@
           <a:p>
             <a:fld id="{9DD7D0BA-9BC2-3D4F-A239-E24B5D2D3243}" type="datetimeFigureOut">
               <a:rPr lang="en-US" smtClean="0"/>
-              <a:t>12/13/24</a:t>
+              <a:t>1/14/25</a:t>
             </a:fld>
             <a:endParaRPr lang="en-US"/>
           </a:p>
@@ -685,7 +685,7 @@
           <a:p>
             <a:fld id="{9DD7D0BA-9BC2-3D4F-A239-E24B5D2D3243}" type="datetimeFigureOut">
               <a:rPr lang="en-US" smtClean="0"/>
-              <a:t>12/13/24</a:t>
+              <a:t>1/14/25</a:t>
             </a:fld>
             <a:endParaRPr lang="en-US"/>
           </a:p>
@@ -886,7 +886,7 @@
           <a:p>
             <a:fld id="{9DD7D0BA-9BC2-3D4F-A239-E24B5D2D3243}" type="datetimeFigureOut">
               <a:rPr lang="en-US" smtClean="0"/>
-              <a:t>12/13/24</a:t>
+              <a:t>1/14/25</a:t>
             </a:fld>
             <a:endParaRPr lang="en-US"/>
           </a:p>
@@ -1165,7 +1165,7 @@
           <a:p>
             <a:fld id="{9DD7D0BA-9BC2-3D4F-A239-E24B5D2D3243}" type="datetimeFigureOut">
               <a:rPr lang="en-US" smtClean="0"/>
-              <a:t>12/13/24</a:t>
+              <a:t>1/14/25</a:t>
             </a:fld>
             <a:endParaRPr lang="en-US"/>
           </a:p>
@@ -1433,7 +1433,7 @@
           <a:p>
             <a:fld id="{9DD7D0BA-9BC2-3D4F-A239-E24B5D2D3243}" type="datetimeFigureOut">
               <a:rPr lang="en-US" smtClean="0"/>
-              <a:t>12/13/24</a:t>
+              <a:t>1/14/25</a:t>
             </a:fld>
             <a:endParaRPr lang="en-US"/>
           </a:p>
@@ -1849,7 +1849,7 @@
           <a:p>
             <a:fld id="{9DD7D0BA-9BC2-3D4F-A239-E24B5D2D3243}" type="datetimeFigureOut">
               <a:rPr lang="en-US" smtClean="0"/>
-              <a:t>12/13/24</a:t>
+              <a:t>1/14/25</a:t>
             </a:fld>
             <a:endParaRPr lang="en-US"/>
           </a:p>
@@ -1998,7 +1998,7 @@
           <a:p>
             <a:fld id="{9DD7D0BA-9BC2-3D4F-A239-E24B5D2D3243}" type="datetimeFigureOut">
               <a:rPr lang="en-US" smtClean="0"/>
-              <a:t>12/13/24</a:t>
+              <a:t>1/14/25</a:t>
             </a:fld>
             <a:endParaRPr lang="en-US"/>
           </a:p>
@@ -2124,7 +2124,7 @@
           <a:p>
             <a:fld id="{9DD7D0BA-9BC2-3D4F-A239-E24B5D2D3243}" type="datetimeFigureOut">
               <a:rPr lang="en-US" smtClean="0"/>
-              <a:t>12/13/24</a:t>
+              <a:t>1/14/25</a:t>
             </a:fld>
             <a:endParaRPr lang="en-US"/>
           </a:p>
@@ -2375,7 +2375,7 @@
           <a:p>
             <a:fld id="{9DD7D0BA-9BC2-3D4F-A239-E24B5D2D3243}" type="datetimeFigureOut">
               <a:rPr lang="en-US" smtClean="0"/>
-              <a:t>12/13/24</a:t>
+              <a:t>1/14/25</a:t>
             </a:fld>
             <a:endParaRPr lang="en-US"/>
           </a:p>
@@ -2820,7 +2820,7 @@
           <a:p>
             <a:fld id="{9DD7D0BA-9BC2-3D4F-A239-E24B5D2D3243}" type="datetimeFigureOut">
               <a:rPr lang="en-US" smtClean="0"/>
-              <a:t>12/13/24</a:t>
+              <a:t>1/14/25</a:t>
             </a:fld>
             <a:endParaRPr lang="en-US"/>
           </a:p>
@@ -3147,7 +3147,7 @@
           <a:p>
             <a:fld id="{9DD7D0BA-9BC2-3D4F-A239-E24B5D2D3243}" type="datetimeFigureOut">
               <a:rPr lang="en-US" smtClean="0"/>
-              <a:t>12/13/24</a:t>
+              <a:t>1/14/25</a:t>
             </a:fld>
             <a:endParaRPr lang="en-US"/>
           </a:p>
@@ -4220,8 +4220,55 @@
         </p:blipFill>
         <p:spPr bwMode="auto">
           <a:xfrm>
-            <a:off x="3895567" y="1391655"/>
+            <a:off x="7791134" y="1329136"/>
             <a:ext cx="4400866" cy="5466345"/>
+          </a:xfrm>
+          <a:prstGeom prst="rect">
+            <a:avLst/>
+          </a:prstGeom>
+          <a:noFill/>
+          <a:extLst>
+            <a:ext uri="{909E8E84-426E-40DD-AFC4-6F175D3DCCD1}">
+              <a14:hiddenFill xmlns:a14="http://schemas.microsoft.com/office/drawing/2010/main">
+                <a:solidFill>
+                  <a:srgbClr val="FFFFFF"/>
+                </a:solidFill>
+              </a14:hiddenFill>
+            </a:ext>
+          </a:extLst>
+        </p:spPr>
+      </p:pic>
+      <p:pic>
+        <p:nvPicPr>
+          <p:cNvPr id="1026" name="Picture 2" descr="Illustration of the underfitting/overfitting issue on a simple... |  Download Scientific Diagram">
+            <a:extLst>
+              <a:ext uri="{FF2B5EF4-FFF2-40B4-BE49-F238E27FC236}">
+                <a16:creationId xmlns:a16="http://schemas.microsoft.com/office/drawing/2014/main" id="{004D4E4B-0A72-D9AA-BA17-41C0C654A3D0}"/>
+              </a:ext>
+            </a:extLst>
+          </p:cNvPr>
+          <p:cNvPicPr>
+            <a:picLocks noChangeAspect="1" noChangeArrowheads="1"/>
+          </p:cNvPicPr>
+          <p:nvPr/>
+        </p:nvPicPr>
+        <p:blipFill>
+          <a:blip r:embed="rId3">
+            <a:extLst>
+              <a:ext uri="{28A0092B-C50C-407E-A947-70E740481C1C}">
+                <a14:useLocalDpi xmlns:a14="http://schemas.microsoft.com/office/drawing/2010/main" val="0"/>
+              </a:ext>
+            </a:extLst>
+          </a:blip>
+          <a:srcRect/>
+          <a:stretch>
+            <a:fillRect/>
+          </a:stretch>
+        </p:blipFill>
+        <p:spPr bwMode="auto">
+          <a:xfrm>
+            <a:off x="0" y="2350234"/>
+            <a:ext cx="7773752" cy="2963171"/>
           </a:xfrm>
           <a:prstGeom prst="rect">
             <a:avLst/>
@@ -4345,8 +4392,8 @@
         </p:nvSpPr>
         <p:spPr>
           <a:xfrm>
-            <a:off x="1451579" y="2015734"/>
-            <a:ext cx="6195784" cy="4126649"/>
+            <a:off x="568411" y="1853754"/>
+            <a:ext cx="7975503" cy="4288629"/>
           </a:xfrm>
         </p:spPr>
         <p:txBody>
@@ -4374,6 +4421,13 @@
             </a:r>
           </a:p>
           <a:p>
+            <a:pPr lvl="1"/>
+            <a:r>
+              <a:rPr lang="en-US" dirty="0"/>
+              <a:t>A (stock) linear regression will have more bias – it can’t adapt that well to the ‘twists’ in the data since it isn’t able to ‘bend’. </a:t>
+            </a:r>
+          </a:p>
+          <a:p>
             <a:r>
               <a:rPr lang="en-US" dirty="0"/>
               <a:t>If we have too much variance, the specific training sample data would impact the model’s predictions too much, and it may be wrong with different data. </a:t>
@@ -4383,7 +4437,7 @@
             <a:pPr lvl="1"/>
             <a:r>
               <a:rPr lang="en-US" dirty="0"/>
-              <a:t>Complex models have high variance. </a:t>
+              <a:t>Complex models (can) have high variance – that’s also it’s capacity to learn. </a:t>
             </a:r>
           </a:p>
         </p:txBody>
@@ -4416,8 +4470,8 @@
         </p:blipFill>
         <p:spPr bwMode="auto">
           <a:xfrm>
-            <a:off x="8543914" y="1853754"/>
-            <a:ext cx="3126918" cy="4755769"/>
+            <a:off x="8543914" y="1061104"/>
+            <a:ext cx="3648086" cy="5548420"/>
           </a:xfrm>
           <a:prstGeom prst="rect">
             <a:avLst/>

--- a/reference_content/Slides/003_Error_Bias_Variance.pptx
+++ b/reference_content/Slides/003_Error_Bias_Variance.pptx
@@ -4829,8 +4829,8 @@
         </p:nvSpPr>
         <p:spPr>
           <a:xfrm>
-            <a:off x="1451579" y="2015732"/>
-            <a:ext cx="9603275" cy="4037749"/>
+            <a:off x="1451579" y="1853754"/>
+            <a:ext cx="9603275" cy="4199727"/>
           </a:xfrm>
         </p:spPr>
         <p:txBody>
@@ -4852,19 +4852,7 @@
           <a:p>
             <a:r>
               <a:rPr lang="en-US" dirty="0"/>
-              <a:t>Our goal is a model that is both accurate and generalizable. </a:t>
-            </a:r>
-          </a:p>
-          <a:p>
-            <a:r>
-              <a:rPr lang="en-US" dirty="0"/>
-              <a:t>We want this accuracy, but limit it to try to achieve the sweet spot.</a:t>
-            </a:r>
-          </a:p>
-          <a:p>
-            <a:r>
-              <a:rPr lang="en-US" dirty="0"/>
-              <a:t>How?</a:t>
+              <a:t>Our goal is a model that is both accurate and generalizable - How?</a:t>
             </a:r>
           </a:p>
           <a:p>
@@ -4894,6 +4882,31 @@
               <a:rPr lang="en-US" dirty="0"/>
               <a:t>Regularization. (E.g. tree pruning and regularization in linear regression)</a:t>
             </a:r>
+          </a:p>
+          <a:p>
+            <a:r>
+              <a:rPr lang="en-US" dirty="0"/>
+              <a:t>The training and testing scores can reveal some info. </a:t>
+            </a:r>
+          </a:p>
+          <a:p>
+            <a:pPr lvl="1"/>
+            <a:r>
+              <a:rPr lang="en-US" dirty="0"/>
+              <a:t>Training scores that get very accurate are an indication of overfitting. </a:t>
+            </a:r>
+          </a:p>
+          <a:p>
+            <a:pPr lvl="1"/>
+            <a:r>
+              <a:rPr lang="en-US" dirty="0"/>
+              <a:t>Testing scores that drop substantially (relatively) from training </a:t>
+            </a:r>
+            <a:r>
+              <a:rPr lang="en-US"/>
+              <a:t>are another. </a:t>
+            </a:r>
+            <a:endParaRPr lang="en-US" dirty="0"/>
           </a:p>
         </p:txBody>
       </p:sp>
